--- a/Angular 8 Day 6 Defining Observables, Angular Material, Route Guards, and Pipes.pptx
+++ b/Angular 8 Day 6 Defining Observables, Angular Material, Route Guards, and Pipes.pptx
@@ -2922,7 +2922,7 @@
           <a:p>
             <a:fld id="{B83B0E22-C5C1-49C2-8E13-24D6BE8F22A0}" type="datetimeFigureOut">
               <a:rPr lang="en-US" smtClean="0"/>
-              <a:t>10/23/19</a:t>
+              <a:t>11/19/19</a:t>
             </a:fld>
             <a:endParaRPr lang="en-US"/>
           </a:p>
@@ -10288,7 +10288,7 @@
         <p:spPr bwMode="auto">
           <a:xfrm>
             <a:off x="1981200" y="1143000"/>
-            <a:ext cx="8229600" cy="2008242"/>
+            <a:ext cx="8229600" cy="623248"/>
           </a:xfrm>
           <a:prstGeom prst="rect">
             <a:avLst/>
@@ -10351,44 +10351,6 @@
                 <a:latin typeface="Arial" panose="020B0604020202020204" pitchFamily="34" charset="0"/>
                 <a:cs typeface="Arial" panose="020B0604020202020204" pitchFamily="34" charset="0"/>
               </a:rPr>
-              <a:t>When the hot observable is ready, it may start the broadcast by calling the Connect method or the refcount method.</a:t>
-            </a:r>
-          </a:p>
-          <a:p>
-            <a:pPr marL="800100" lvl="1" indent="-342900" defTabSz="685800" eaLnBrk="0" fontAlgn="base" hangingPunct="0">
-              <a:spcBef>
-                <a:spcPct val="0"/>
-              </a:spcBef>
-              <a:spcAft>
-                <a:spcPct val="0"/>
-              </a:spcAft>
-              <a:buFont typeface="Arial" panose="020B0604020202020204" pitchFamily="34" charset="0"/>
-              <a:buChar char="•"/>
-            </a:pPr>
-            <a:r>
-              <a:rPr lang="en-US" altLang="en-US" dirty="0">
-                <a:latin typeface="Arial" panose="020B0604020202020204" pitchFamily="34" charset="0"/>
-                <a:cs typeface="Arial" panose="020B0604020202020204" pitchFamily="34" charset="0"/>
-              </a:rPr>
-              <a:t>The refCount method will cause the observables to auto broadcast when there are observers present and auto-cease when there are no observers.</a:t>
-            </a:r>
-          </a:p>
-          <a:p>
-            <a:pPr marL="800100" lvl="1" indent="-342900" defTabSz="685800" eaLnBrk="0" fontAlgn="base" hangingPunct="0">
-              <a:spcBef>
-                <a:spcPct val="0"/>
-              </a:spcBef>
-              <a:spcAft>
-                <a:spcPct val="0"/>
-              </a:spcAft>
-              <a:buFont typeface="Arial" panose="020B0604020202020204" pitchFamily="34" charset="0"/>
-              <a:buChar char="•"/>
-            </a:pPr>
-            <a:r>
-              <a:rPr lang="en-US" altLang="en-US" dirty="0">
-                <a:latin typeface="Arial" panose="020B0604020202020204" pitchFamily="34" charset="0"/>
-                <a:cs typeface="Arial" panose="020B0604020202020204" pitchFamily="34" charset="0"/>
-              </a:rPr>
               <a:t>Cold Observable Example</a:t>
             </a:r>
             <a:r>
@@ -10433,7 +10395,7 @@
         </p:nvSpPr>
         <p:spPr>
           <a:xfrm>
-            <a:off x="1981200" y="3276600"/>
+            <a:off x="1981200" y="2255195"/>
             <a:ext cx="8229600" cy="3231654"/>
           </a:xfrm>
           <a:prstGeom prst="rect">
@@ -11628,7 +11590,7 @@
         <p:spPr bwMode="auto">
           <a:xfrm>
             <a:off x="1981200" y="1609726"/>
-            <a:ext cx="8229600" cy="3393237"/>
+            <a:ext cx="8229600" cy="2839239"/>
           </a:xfrm>
           <a:prstGeom prst="rect">
             <a:avLst/>
@@ -11712,44 +11674,6 @@
             </a:r>
           </a:p>
           <a:p>
-            <a:pPr marL="285750" indent="-285750">
-              <a:buFont typeface="Arial" panose="020B0604020202020204" pitchFamily="34" charset="0"/>
-              <a:buChar char="•"/>
-            </a:pPr>
-            <a:endParaRPr lang="en-US" dirty="0">
-              <a:latin typeface="Arial" panose="020B0604020202020204" pitchFamily="34" charset="0"/>
-              <a:cs typeface="Arial" panose="020B0604020202020204" pitchFamily="34" charset="0"/>
-            </a:endParaRPr>
-          </a:p>
-          <a:p>
-            <a:pPr marL="285750" indent="-285750">
-              <a:buFont typeface="Arial" panose="020B0604020202020204" pitchFamily="34" charset="0"/>
-              <a:buChar char="•"/>
-            </a:pPr>
-            <a:r>
-              <a:rPr lang="en-US" dirty="0">
-                <a:latin typeface="Arial" panose="020B0604020202020204" pitchFamily="34" charset="0"/>
-                <a:cs typeface="Arial" panose="020B0604020202020204" pitchFamily="34" charset="0"/>
-              </a:rPr>
-              <a:t>Can multicast like </a:t>
-            </a:r>
-            <a:r>
-              <a:rPr lang="en-US" dirty="0" err="1">
-                <a:latin typeface="Arial" panose="020B0604020202020204" pitchFamily="34" charset="0"/>
-                <a:cs typeface="Arial" panose="020B0604020202020204" pitchFamily="34" charset="0"/>
-              </a:rPr>
-              <a:t>EventEmitters</a:t>
-            </a:r>
-            <a:endParaRPr lang="en-US" dirty="0">
-              <a:latin typeface="Arial" panose="020B0604020202020204" pitchFamily="34" charset="0"/>
-              <a:cs typeface="Arial" panose="020B0604020202020204" pitchFamily="34" charset="0"/>
-            </a:endParaRPr>
-          </a:p>
-          <a:p>
-            <a:pPr marL="285750" indent="-285750">
-              <a:buFont typeface="Arial" panose="020B0604020202020204" pitchFamily="34" charset="0"/>
-              <a:buChar char="•"/>
-            </a:pPr>
             <a:endParaRPr lang="en-US" dirty="0">
               <a:latin typeface="Arial" panose="020B0604020202020204" pitchFamily="34" charset="0"/>
               <a:cs typeface="Arial" panose="020B0604020202020204" pitchFamily="34" charset="0"/>
@@ -13418,7 +13342,7 @@
                 <a:latin typeface="Arial Rounded MT Bold" pitchFamily="34" charset="0"/>
                 <a:cs typeface="Arial" pitchFamily="34" charset="0"/>
               </a:rPr>
-              <a:t>Materials</a:t>
+              <a:t>Material</a:t>
             </a:r>
           </a:p>
         </p:txBody>
@@ -15206,6 +15130,9 @@
           <a:prstGeom prst="rect">
             <a:avLst/>
           </a:prstGeom>
+          <a:solidFill>
+            <a:schemeClr val="tx1"/>
+          </a:solidFill>
           <a:ln/>
         </p:spPr>
         <p:style>
@@ -15229,9 +15156,7 @@
             <a:r>
               <a:rPr lang="nb-NO" sz="1200" dirty="0">
                 <a:solidFill>
-                  <a:schemeClr val="tx2">
-                    <a:lumMod val="50000"/>
-                  </a:schemeClr>
+                  <a:schemeClr val="bg1"/>
                 </a:solidFill>
                 <a:latin typeface="Courier New" panose="02070309020205020404" pitchFamily="49" charset="0"/>
                 <a:cs typeface="Courier New" panose="02070309020205020404" pitchFamily="49" charset="0"/>
@@ -15240,9 +15165,7 @@
             </a:r>
             <a:endParaRPr lang="en-US" sz="1200" dirty="0">
               <a:solidFill>
-                <a:schemeClr val="tx2">
-                  <a:lumMod val="50000"/>
-                </a:schemeClr>
+                <a:schemeClr val="bg1"/>
               </a:solidFill>
               <a:latin typeface="Courier New" panose="02070309020205020404" pitchFamily="49" charset="0"/>
               <a:cs typeface="Courier New" panose="02070309020205020404" pitchFamily="49" charset="0"/>
@@ -15264,6 +15187,9 @@
           <a:prstGeom prst="rect">
             <a:avLst/>
           </a:prstGeom>
+          <a:solidFill>
+            <a:schemeClr val="tx1"/>
+          </a:solidFill>
           <a:ln/>
         </p:spPr>
         <p:style>
@@ -15287,9 +15213,7 @@
             <a:r>
               <a:rPr lang="nb-NO" sz="1200" dirty="0">
                 <a:solidFill>
-                  <a:schemeClr val="tx2">
-                    <a:lumMod val="50000"/>
-                  </a:schemeClr>
+                  <a:schemeClr val="bg1"/>
                 </a:solidFill>
                 <a:latin typeface="Courier New" panose="02070309020205020404" pitchFamily="49" charset="0"/>
                 <a:cs typeface="Courier New" panose="02070309020205020404" pitchFamily="49" charset="0"/>
@@ -15301,9 +15225,7 @@
             <a:r>
               <a:rPr lang="nb-NO" sz="1200" dirty="0">
                 <a:solidFill>
-                  <a:schemeClr val="tx2">
-                    <a:lumMod val="50000"/>
-                  </a:schemeClr>
+                  <a:schemeClr val="bg1"/>
                 </a:solidFill>
                 <a:latin typeface="Courier New" panose="02070309020205020404" pitchFamily="49" charset="0"/>
                 <a:cs typeface="Courier New" panose="02070309020205020404" pitchFamily="49" charset="0"/>
@@ -15315,9 +15237,7 @@
             <a:r>
               <a:rPr lang="nb-NO" sz="1200" dirty="0">
                 <a:solidFill>
-                  <a:schemeClr val="tx2">
-                    <a:lumMod val="50000"/>
-                  </a:schemeClr>
+                  <a:schemeClr val="bg1"/>
                 </a:solidFill>
                 <a:latin typeface="Courier New" panose="02070309020205020404" pitchFamily="49" charset="0"/>
                 <a:cs typeface="Courier New" panose="02070309020205020404" pitchFamily="49" charset="0"/>
@@ -15329,9 +15249,7 @@
             <a:r>
               <a:rPr lang="nb-NO" sz="1200" dirty="0">
                 <a:solidFill>
-                  <a:schemeClr val="tx2">
-                    <a:lumMod val="50000"/>
-                  </a:schemeClr>
+                  <a:schemeClr val="bg1"/>
                 </a:solidFill>
                 <a:latin typeface="Courier New" panose="02070309020205020404" pitchFamily="49" charset="0"/>
                 <a:cs typeface="Courier New" panose="02070309020205020404" pitchFamily="49" charset="0"/>
@@ -15343,9 +15261,7 @@
             <a:r>
               <a:rPr lang="nb-NO" sz="1200" dirty="0">
                 <a:solidFill>
-                  <a:schemeClr val="tx2">
-                    <a:lumMod val="50000"/>
-                  </a:schemeClr>
+                  <a:schemeClr val="bg1"/>
                 </a:solidFill>
                 <a:latin typeface="Courier New" panose="02070309020205020404" pitchFamily="49" charset="0"/>
                 <a:cs typeface="Courier New" panose="02070309020205020404" pitchFamily="49" charset="0"/>
@@ -15357,9 +15273,7 @@
             <a:r>
               <a:rPr lang="nb-NO" sz="1200" dirty="0">
                 <a:solidFill>
-                  <a:schemeClr val="tx2">
-                    <a:lumMod val="50000"/>
-                  </a:schemeClr>
+                  <a:schemeClr val="bg1"/>
                 </a:solidFill>
                 <a:latin typeface="Courier New" panose="02070309020205020404" pitchFamily="49" charset="0"/>
                 <a:cs typeface="Courier New" panose="02070309020205020404" pitchFamily="49" charset="0"/>
@@ -15371,9 +15285,7 @@
             <a:r>
               <a:rPr lang="nb-NO" sz="1200" dirty="0">
                 <a:solidFill>
-                  <a:schemeClr val="tx2">
-                    <a:lumMod val="50000"/>
-                  </a:schemeClr>
+                  <a:schemeClr val="bg1"/>
                 </a:solidFill>
                 <a:latin typeface="Courier New" panose="02070309020205020404" pitchFamily="49" charset="0"/>
                 <a:cs typeface="Courier New" panose="02070309020205020404" pitchFamily="49" charset="0"/>
@@ -15382,9 +15294,7 @@
             </a:r>
             <a:endParaRPr lang="en-US" sz="1200" dirty="0">
               <a:solidFill>
-                <a:schemeClr val="tx2">
-                  <a:lumMod val="50000"/>
-                </a:schemeClr>
+                <a:schemeClr val="bg1"/>
               </a:solidFill>
               <a:latin typeface="Courier New" panose="02070309020205020404" pitchFamily="49" charset="0"/>
               <a:cs typeface="Courier New" panose="02070309020205020404" pitchFamily="49" charset="0"/>
@@ -15406,6 +15316,9 @@
           <a:prstGeom prst="rect">
             <a:avLst/>
           </a:prstGeom>
+          <a:solidFill>
+            <a:schemeClr val="tx1"/>
+          </a:solidFill>
           <a:ln/>
         </p:spPr>
         <p:style>
@@ -15429,9 +15342,7 @@
             <a:r>
               <a:rPr lang="nb-NO" sz="1200" dirty="0">
                 <a:solidFill>
-                  <a:schemeClr val="tx2">
-                    <a:lumMod val="50000"/>
-                  </a:schemeClr>
+                  <a:schemeClr val="bg1"/>
                 </a:solidFill>
                 <a:latin typeface="Courier New" panose="02070309020205020404" pitchFamily="49" charset="0"/>
                 <a:cs typeface="Courier New" panose="02070309020205020404" pitchFamily="49" charset="0"/>
@@ -15442,9 +15353,7 @@
           <a:p>
             <a:endParaRPr lang="nb-NO" sz="1200" dirty="0">
               <a:solidFill>
-                <a:schemeClr val="tx2">
-                  <a:lumMod val="50000"/>
-                </a:schemeClr>
+                <a:schemeClr val="bg1"/>
               </a:solidFill>
               <a:latin typeface="Courier New" panose="02070309020205020404" pitchFamily="49" charset="0"/>
               <a:cs typeface="Courier New" panose="02070309020205020404" pitchFamily="49" charset="0"/>
@@ -15454,9 +15363,7 @@
             <a:r>
               <a:rPr lang="nb-NO" sz="1200" dirty="0">
                 <a:solidFill>
-                  <a:schemeClr val="tx2">
-                    <a:lumMod val="50000"/>
-                  </a:schemeClr>
+                  <a:schemeClr val="bg1"/>
                 </a:solidFill>
                 <a:latin typeface="Courier New" panose="02070309020205020404" pitchFamily="49" charset="0"/>
                 <a:cs typeface="Courier New" panose="02070309020205020404" pitchFamily="49" charset="0"/>
@@ -15468,9 +15375,7 @@
             <a:r>
               <a:rPr lang="nb-NO" sz="1200" dirty="0">
                 <a:solidFill>
-                  <a:schemeClr val="tx2">
-                    <a:lumMod val="50000"/>
-                  </a:schemeClr>
+                  <a:schemeClr val="bg1"/>
                 </a:solidFill>
                 <a:latin typeface="Courier New" panose="02070309020205020404" pitchFamily="49" charset="0"/>
                 <a:cs typeface="Courier New" panose="02070309020205020404" pitchFamily="49" charset="0"/>
@@ -15482,9 +15387,7 @@
             <a:r>
               <a:rPr lang="nb-NO" sz="1200" dirty="0">
                 <a:solidFill>
-                  <a:schemeClr val="tx2">
-                    <a:lumMod val="50000"/>
-                  </a:schemeClr>
+                  <a:schemeClr val="bg1"/>
                 </a:solidFill>
                 <a:latin typeface="Courier New" panose="02070309020205020404" pitchFamily="49" charset="0"/>
                 <a:cs typeface="Courier New" panose="02070309020205020404" pitchFamily="49" charset="0"/>
@@ -15496,9 +15399,7 @@
             <a:r>
               <a:rPr lang="nb-NO" sz="1200" dirty="0">
                 <a:solidFill>
-                  <a:schemeClr val="tx2">
-                    <a:lumMod val="50000"/>
-                  </a:schemeClr>
+                  <a:schemeClr val="bg1"/>
                 </a:solidFill>
                 <a:latin typeface="Courier New" panose="02070309020205020404" pitchFamily="49" charset="0"/>
                 <a:cs typeface="Courier New" panose="02070309020205020404" pitchFamily="49" charset="0"/>
@@ -15510,9 +15411,7 @@
             <a:r>
               <a:rPr lang="nb-NO" sz="1200" dirty="0">
                 <a:solidFill>
-                  <a:schemeClr val="tx2">
-                    <a:lumMod val="50000"/>
-                  </a:schemeClr>
+                  <a:schemeClr val="bg1"/>
                 </a:solidFill>
                 <a:latin typeface="Courier New" panose="02070309020205020404" pitchFamily="49" charset="0"/>
                 <a:cs typeface="Courier New" panose="02070309020205020404" pitchFamily="49" charset="0"/>
@@ -15524,9 +15423,7 @@
             <a:r>
               <a:rPr lang="nb-NO" sz="1200" dirty="0">
                 <a:solidFill>
-                  <a:schemeClr val="tx2">
-                    <a:lumMod val="50000"/>
-                  </a:schemeClr>
+                  <a:schemeClr val="bg1"/>
                 </a:solidFill>
                 <a:latin typeface="Courier New" panose="02070309020205020404" pitchFamily="49" charset="0"/>
                 <a:cs typeface="Courier New" panose="02070309020205020404" pitchFamily="49" charset="0"/>
@@ -15535,9 +15432,7 @@
             </a:r>
             <a:endParaRPr lang="en-US" sz="1200" dirty="0">
               <a:solidFill>
-                <a:schemeClr val="tx2">
-                  <a:lumMod val="50000"/>
-                </a:schemeClr>
+                <a:schemeClr val="bg1"/>
               </a:solidFill>
               <a:latin typeface="Courier New" panose="02070309020205020404" pitchFamily="49" charset="0"/>
               <a:cs typeface="Courier New" panose="02070309020205020404" pitchFamily="49" charset="0"/>
@@ -15741,6 +15636,9 @@
           <a:prstGeom prst="rect">
             <a:avLst/>
           </a:prstGeom>
+          <a:solidFill>
+            <a:schemeClr val="tx1"/>
+          </a:solidFill>
           <a:ln/>
         </p:spPr>
         <p:style>
@@ -15764,9 +15662,7 @@
             <a:r>
               <a:rPr lang="nb-NO" sz="1200" dirty="0">
                 <a:solidFill>
-                  <a:schemeClr val="tx2">
-                    <a:lumMod val="50000"/>
-                  </a:schemeClr>
+                  <a:schemeClr val="bg1"/>
                 </a:solidFill>
                 <a:latin typeface="Courier New" panose="02070309020205020404" pitchFamily="49" charset="0"/>
                 <a:cs typeface="Courier New" panose="02070309020205020404" pitchFamily="49" charset="0"/>
@@ -15775,9 +15671,7 @@
             </a:r>
             <a:endParaRPr lang="en-US" sz="1200" dirty="0">
               <a:solidFill>
-                <a:schemeClr val="tx2">
-                  <a:lumMod val="50000"/>
-                </a:schemeClr>
+                <a:schemeClr val="bg1"/>
               </a:solidFill>
               <a:latin typeface="Courier New" panose="02070309020205020404" pitchFamily="49" charset="0"/>
               <a:cs typeface="Courier New" panose="02070309020205020404" pitchFamily="49" charset="0"/>
@@ -15799,6 +15693,9 @@
           <a:prstGeom prst="rect">
             <a:avLst/>
           </a:prstGeom>
+          <a:solidFill>
+            <a:schemeClr val="tx1"/>
+          </a:solidFill>
           <a:ln/>
         </p:spPr>
         <p:style>
@@ -15822,9 +15719,7 @@
             <a:r>
               <a:rPr lang="en-US" sz="1200" dirty="0">
                 <a:solidFill>
-                  <a:schemeClr val="tx2">
-                    <a:lumMod val="50000"/>
-                  </a:schemeClr>
+                  <a:schemeClr val="bg1"/>
                 </a:solidFill>
                 <a:latin typeface="Courier New" panose="02070309020205020404" pitchFamily="49" charset="0"/>
                 <a:cs typeface="Courier New" panose="02070309020205020404" pitchFamily="49" charset="0"/>
@@ -15848,6 +15743,9 @@
           <a:prstGeom prst="rect">
             <a:avLst/>
           </a:prstGeom>
+          <a:solidFill>
+            <a:schemeClr val="tx1"/>
+          </a:solidFill>
           <a:ln/>
         </p:spPr>
         <p:style>
@@ -15871,9 +15769,7 @@
             <a:r>
               <a:rPr lang="nb-NO" sz="1200" dirty="0">
                 <a:solidFill>
-                  <a:schemeClr val="tx2">
-                    <a:lumMod val="50000"/>
-                  </a:schemeClr>
+                  <a:schemeClr val="bg1"/>
                 </a:solidFill>
                 <a:latin typeface="Courier New" panose="02070309020205020404" pitchFamily="49" charset="0"/>
                 <a:cs typeface="Courier New" panose="02070309020205020404" pitchFamily="49" charset="0"/>
@@ -15882,9 +15778,7 @@
             </a:r>
             <a:endParaRPr lang="en-US" sz="1200" dirty="0">
               <a:solidFill>
-                <a:schemeClr val="tx2">
-                  <a:lumMod val="50000"/>
-                </a:schemeClr>
+                <a:schemeClr val="bg1"/>
               </a:solidFill>
               <a:latin typeface="Courier New" panose="02070309020205020404" pitchFamily="49" charset="0"/>
               <a:cs typeface="Courier New" panose="02070309020205020404" pitchFamily="49" charset="0"/>
@@ -16060,6 +15954,9 @@
           <a:prstGeom prst="rect">
             <a:avLst/>
           </a:prstGeom>
+          <a:solidFill>
+            <a:schemeClr val="tx1"/>
+          </a:solidFill>
           <a:ln/>
         </p:spPr>
         <p:style>
@@ -16083,9 +15980,7 @@
             <a:r>
               <a:rPr lang="nb-NO" sz="2800" dirty="0">
                 <a:solidFill>
-                  <a:schemeClr val="tx2">
-                    <a:lumMod val="50000"/>
-                  </a:schemeClr>
+                  <a:schemeClr val="bg1"/>
                 </a:solidFill>
                 <a:latin typeface="Courier New" panose="02070309020205020404" pitchFamily="49" charset="0"/>
                 <a:cs typeface="Courier New" panose="02070309020205020404" pitchFamily="49" charset="0"/>
@@ -16094,9 +15989,7 @@
             </a:r>
             <a:endParaRPr lang="en-US" sz="2800" dirty="0">
               <a:solidFill>
-                <a:schemeClr val="tx2">
-                  <a:lumMod val="50000"/>
-                </a:schemeClr>
+                <a:schemeClr val="bg1"/>
               </a:solidFill>
               <a:latin typeface="Courier New" panose="02070309020205020404" pitchFamily="49" charset="0"/>
               <a:cs typeface="Courier New" panose="02070309020205020404" pitchFamily="49" charset="0"/>
@@ -23342,7 +23235,7 @@
             <a:pPr algn="ctr"/>
             <a:r>
               <a:rPr lang="en-US" dirty="0"/>
-              <a:t>Parent-Child</a:t>
+              <a:t>Siblings</a:t>
             </a:r>
           </a:p>
         </p:txBody>
@@ -25813,12 +25706,6 @@
 </file>
 
 <file path=customXml/item1.xml><?xml version="1.0" encoding="utf-8"?>
-<p:properties xmlns:p="http://schemas.microsoft.com/office/2006/metadata/properties" xmlns:xsi="http://www.w3.org/2001/XMLSchema-instance" xmlns:pc="http://schemas.microsoft.com/office/infopath/2007/PartnerControls">
-  <documentManagement/>
-</p:properties>
-</file>
-
-<file path=customXml/item2.xml><?xml version="1.0" encoding="utf-8"?>
 <ct:contentTypeSchema xmlns:ct="http://schemas.microsoft.com/office/2006/metadata/contentType" xmlns:ma="http://schemas.microsoft.com/office/2006/metadata/properties/metaAttributes" ct:_="" ma:_="" ma:contentTypeName="Document" ma:contentTypeID="0x010100348CA4AA68F5A649B6FC2B4481499820" ma:contentTypeVersion="0" ma:contentTypeDescription="Create a new document." ma:contentTypeScope="" ma:versionID="b9f06d6c5e6413d5718fbf4634c1f44f">
   <xsd:schema xmlns:xsd="http://www.w3.org/2001/XMLSchema" xmlns:xs="http://www.w3.org/2001/XMLSchema" xmlns:p="http://schemas.microsoft.com/office/2006/metadata/properties" targetNamespace="http://schemas.microsoft.com/office/2006/metadata/properties" ma:root="true" ma:fieldsID="c64490b4aec6201516c3a874156f37b2">
     <xsd:element name="properties">
@@ -25932,7 +25819,7 @@
 </ct:contentTypeSchema>
 </file>
 
-<file path=customXml/item3.xml><?xml version="1.0" encoding="utf-8"?>
+<file path=customXml/item2.xml><?xml version="1.0" encoding="utf-8"?>
 <?mso-contentType ?>
 <FormTemplates xmlns="http://schemas.microsoft.com/sharepoint/v3/contenttype/forms">
   <Display>DocumentLibraryForm</Display>
@@ -25941,22 +25828,13 @@
 </FormTemplates>
 </file>
 
-<file path=customXml/itemProps1.xml><?xml version="1.0" encoding="utf-8"?>
-<ds:datastoreItem xmlns:ds="http://schemas.openxmlformats.org/officeDocument/2006/customXml" ds:itemID="{64EC33DD-99A0-48B4-B6C7-1B0A79F9EE96}">
-  <ds:schemaRefs>
-    <ds:schemaRef ds:uri="http://www.w3.org/XML/1998/namespace"/>
-    <ds:schemaRef ds:uri="http://purl.org/dc/dcmitype/"/>
-    <ds:schemaRef ds:uri="http://schemas.openxmlformats.org/package/2006/metadata/core-properties"/>
-    <ds:schemaRef ds:uri="http://schemas.microsoft.com/office/2006/metadata/properties"/>
-    <ds:schemaRef ds:uri="http://schemas.microsoft.com/office/infopath/2007/PartnerControls"/>
-    <ds:schemaRef ds:uri="http://schemas.microsoft.com/office/2006/documentManagement/types"/>
-    <ds:schemaRef ds:uri="http://purl.org/dc/elements/1.1/"/>
-    <ds:schemaRef ds:uri="http://purl.org/dc/terms/"/>
-  </ds:schemaRefs>
-</ds:datastoreItem>
+<file path=customXml/item3.xml><?xml version="1.0" encoding="utf-8"?>
+<p:properties xmlns:p="http://schemas.microsoft.com/office/2006/metadata/properties" xmlns:xsi="http://www.w3.org/2001/XMLSchema-instance" xmlns:pc="http://schemas.microsoft.com/office/infopath/2007/PartnerControls">
+  <documentManagement/>
+</p:properties>
 </file>
 
-<file path=customXml/itemProps2.xml><?xml version="1.0" encoding="utf-8"?>
+<file path=customXml/itemProps1.xml><?xml version="1.0" encoding="utf-8"?>
 <ds:datastoreItem xmlns:ds="http://schemas.openxmlformats.org/officeDocument/2006/customXml" ds:itemID="{6AC0F495-39A1-468D-ADC4-B59B955D7DE4}">
   <ds:schemaRefs>
     <ds:schemaRef ds:uri="http://schemas.microsoft.com/office/2006/metadata/contentType"/>
@@ -25972,10 +25850,25 @@
 </ds:datastoreItem>
 </file>
 
-<file path=customXml/itemProps3.xml><?xml version="1.0" encoding="utf-8"?>
+<file path=customXml/itemProps2.xml><?xml version="1.0" encoding="utf-8"?>
 <ds:datastoreItem xmlns:ds="http://schemas.openxmlformats.org/officeDocument/2006/customXml" ds:itemID="{3DE863FD-44AB-4EC9-90A2-763F06E03C11}">
   <ds:schemaRefs>
     <ds:schemaRef ds:uri="http://schemas.microsoft.com/sharepoint/v3/contenttype/forms"/>
   </ds:schemaRefs>
 </ds:datastoreItem>
+</file>
+
+<file path=customXml/itemProps3.xml><?xml version="1.0" encoding="utf-8"?>
+<ds:datastoreItem xmlns:ds="http://schemas.openxmlformats.org/officeDocument/2006/customXml" ds:itemID="{64EC33DD-99A0-48B4-B6C7-1B0A79F9EE96}">
+  <ds:schemaRefs>
+    <ds:schemaRef ds:uri="http://www.w3.org/XML/1998/namespace"/>
+    <ds:schemaRef ds:uri="http://purl.org/dc/dcmitype/"/>
+    <ds:schemaRef ds:uri="http://schemas.openxmlformats.org/package/2006/metadata/core-properties"/>
+    <ds:schemaRef ds:uri="http://schemas.microsoft.com/office/2006/metadata/properties"/>
+    <ds:schemaRef ds:uri="http://schemas.microsoft.com/office/infopath/2007/PartnerControls"/>
+    <ds:schemaRef ds:uri="http://schemas.microsoft.com/office/2006/documentManagement/types"/>
+    <ds:schemaRef ds:uri="http://purl.org/dc/elements/1.1/"/>
+    <ds:schemaRef ds:uri="http://purl.org/dc/terms/"/>
+  </ds:schemaRefs>
+</ds:datastoreItem>
 </file>
--- a/Angular 8 Day 6 Defining Observables, Angular Material, Route Guards, and Pipes.pptx
+++ b/Angular 8 Day 6 Defining Observables, Angular Material, Route Guards, and Pipes.pptx
@@ -11590,7 +11590,7 @@
         <p:spPr bwMode="auto">
           <a:xfrm>
             <a:off x="1981200" y="1609726"/>
-            <a:ext cx="8229600" cy="2839239"/>
+            <a:ext cx="8229600" cy="3947234"/>
           </a:xfrm>
           <a:prstGeom prst="rect">
             <a:avLst/>
@@ -11719,7 +11719,7 @@
                 <a:latin typeface="Arial" panose="020B0604020202020204" pitchFamily="34" charset="0"/>
                 <a:cs typeface="Arial" panose="020B0604020202020204" pitchFamily="34" charset="0"/>
               </a:rPr>
-              <a:t> automatically sends the last emitted value on new subscription</a:t>
+              <a:t> requires a seed value and automatically sends the last emitted value on new subscription</a:t>
             </a:r>
           </a:p>
           <a:p>
@@ -11758,6 +11758,49 @@
               </a:rPr>
               <a:t>() method</a:t>
             </a:r>
+          </a:p>
+          <a:p>
+            <a:pPr marL="285750" indent="-285750">
+              <a:buFont typeface="Arial" panose="020B0604020202020204" pitchFamily="34" charset="0"/>
+              <a:buChar char="•"/>
+            </a:pPr>
+            <a:endParaRPr lang="en-US" dirty="0">
+              <a:latin typeface="Arial" panose="020B0604020202020204" pitchFamily="34" charset="0"/>
+              <a:cs typeface="Arial" panose="020B0604020202020204" pitchFamily="34" charset="0"/>
+            </a:endParaRPr>
+          </a:p>
+          <a:p>
+            <a:pPr marL="285750" indent="-285750">
+              <a:buFont typeface="Arial" panose="020B0604020202020204" pitchFamily="34" charset="0"/>
+              <a:buChar char="•"/>
+            </a:pPr>
+            <a:r>
+              <a:rPr lang="en-US" dirty="0">
+                <a:hlinkClick r:id="rId2"/>
+              </a:rPr>
+              <a:t>https://www.learnrxjs.io/subjects/</a:t>
+            </a:r>
+            <a:endParaRPr lang="en-US" dirty="0"/>
+          </a:p>
+          <a:p>
+            <a:pPr marL="285750" indent="-285750">
+              <a:buFont typeface="Arial" panose="020B0604020202020204" pitchFamily="34" charset="0"/>
+              <a:buChar char="•"/>
+            </a:pPr>
+            <a:endParaRPr lang="en-US">
+              <a:latin typeface="Arial" panose="020B0604020202020204" pitchFamily="34" charset="0"/>
+              <a:cs typeface="Arial" panose="020B0604020202020204" pitchFamily="34" charset="0"/>
+            </a:endParaRPr>
+          </a:p>
+          <a:p>
+            <a:pPr marL="285750" indent="-285750">
+              <a:buFont typeface="Arial" panose="020B0604020202020204" pitchFamily="34" charset="0"/>
+              <a:buChar char="•"/>
+            </a:pPr>
+            <a:endParaRPr lang="en-US" dirty="0">
+              <a:latin typeface="Arial" panose="020B0604020202020204" pitchFamily="34" charset="0"/>
+              <a:cs typeface="Arial" panose="020B0604020202020204" pitchFamily="34" charset="0"/>
+            </a:endParaRPr>
           </a:p>
         </p:txBody>
       </p:sp>
@@ -25706,6 +25749,21 @@
 </file>
 
 <file path=customXml/item1.xml><?xml version="1.0" encoding="utf-8"?>
+<?mso-contentType ?>
+<FormTemplates xmlns="http://schemas.microsoft.com/sharepoint/v3/contenttype/forms">
+  <Display>DocumentLibraryForm</Display>
+  <Edit>DocumentLibraryForm</Edit>
+  <New>DocumentLibraryForm</New>
+</FormTemplates>
+</file>
+
+<file path=customXml/item2.xml><?xml version="1.0" encoding="utf-8"?>
+<p:properties xmlns:p="http://schemas.microsoft.com/office/2006/metadata/properties" xmlns:xsi="http://www.w3.org/2001/XMLSchema-instance" xmlns:pc="http://schemas.microsoft.com/office/infopath/2007/PartnerControls">
+  <documentManagement/>
+</p:properties>
+</file>
+
+<file path=customXml/item3.xml><?xml version="1.0" encoding="utf-8"?>
 <ct:contentTypeSchema xmlns:ct="http://schemas.microsoft.com/office/2006/metadata/contentType" xmlns:ma="http://schemas.microsoft.com/office/2006/metadata/properties/metaAttributes" ct:_="" ma:_="" ma:contentTypeName="Document" ma:contentTypeID="0x010100348CA4AA68F5A649B6FC2B4481499820" ma:contentTypeVersion="0" ma:contentTypeDescription="Create a new document." ma:contentTypeScope="" ma:versionID="b9f06d6c5e6413d5718fbf4634c1f44f">
   <xsd:schema xmlns:xsd="http://www.w3.org/2001/XMLSchema" xmlns:xs="http://www.w3.org/2001/XMLSchema" xmlns:p="http://schemas.microsoft.com/office/2006/metadata/properties" targetNamespace="http://schemas.microsoft.com/office/2006/metadata/properties" ma:root="true" ma:fieldsID="c64490b4aec6201516c3a874156f37b2">
     <xsd:element name="properties">
@@ -25819,22 +25877,30 @@
 </ct:contentTypeSchema>
 </file>
 
-<file path=customXml/item2.xml><?xml version="1.0" encoding="utf-8"?>
-<?mso-contentType ?>
-<FormTemplates xmlns="http://schemas.microsoft.com/sharepoint/v3/contenttype/forms">
-  <Display>DocumentLibraryForm</Display>
-  <Edit>DocumentLibraryForm</Edit>
-  <New>DocumentLibraryForm</New>
-</FormTemplates>
+<file path=customXml/itemProps1.xml><?xml version="1.0" encoding="utf-8"?>
+<ds:datastoreItem xmlns:ds="http://schemas.openxmlformats.org/officeDocument/2006/customXml" ds:itemID="{3DE863FD-44AB-4EC9-90A2-763F06E03C11}">
+  <ds:schemaRefs>
+    <ds:schemaRef ds:uri="http://schemas.microsoft.com/sharepoint/v3/contenttype/forms"/>
+  </ds:schemaRefs>
+</ds:datastoreItem>
 </file>
 
-<file path=customXml/item3.xml><?xml version="1.0" encoding="utf-8"?>
-<p:properties xmlns:p="http://schemas.microsoft.com/office/2006/metadata/properties" xmlns:xsi="http://www.w3.org/2001/XMLSchema-instance" xmlns:pc="http://schemas.microsoft.com/office/infopath/2007/PartnerControls">
-  <documentManagement/>
-</p:properties>
+<file path=customXml/itemProps2.xml><?xml version="1.0" encoding="utf-8"?>
+<ds:datastoreItem xmlns:ds="http://schemas.openxmlformats.org/officeDocument/2006/customXml" ds:itemID="{64EC33DD-99A0-48B4-B6C7-1B0A79F9EE96}">
+  <ds:schemaRefs>
+    <ds:schemaRef ds:uri="http://www.w3.org/XML/1998/namespace"/>
+    <ds:schemaRef ds:uri="http://purl.org/dc/dcmitype/"/>
+    <ds:schemaRef ds:uri="http://schemas.openxmlformats.org/package/2006/metadata/core-properties"/>
+    <ds:schemaRef ds:uri="http://schemas.microsoft.com/office/2006/metadata/properties"/>
+    <ds:schemaRef ds:uri="http://schemas.microsoft.com/office/infopath/2007/PartnerControls"/>
+    <ds:schemaRef ds:uri="http://schemas.microsoft.com/office/2006/documentManagement/types"/>
+    <ds:schemaRef ds:uri="http://purl.org/dc/elements/1.1/"/>
+    <ds:schemaRef ds:uri="http://purl.org/dc/terms/"/>
+  </ds:schemaRefs>
+</ds:datastoreItem>
 </file>
 
-<file path=customXml/itemProps1.xml><?xml version="1.0" encoding="utf-8"?>
+<file path=customXml/itemProps3.xml><?xml version="1.0" encoding="utf-8"?>
 <ds:datastoreItem xmlns:ds="http://schemas.openxmlformats.org/officeDocument/2006/customXml" ds:itemID="{6AC0F495-39A1-468D-ADC4-B59B955D7DE4}">
   <ds:schemaRefs>
     <ds:schemaRef ds:uri="http://schemas.microsoft.com/office/2006/metadata/contentType"/>
@@ -25848,27 +25914,4 @@
     <ds:schemaRef ds:uri="http://schemas.microsoft.com/office/infopath/2007/PartnerControls"/>
   </ds:schemaRefs>
 </ds:datastoreItem>
-</file>
-
-<file path=customXml/itemProps2.xml><?xml version="1.0" encoding="utf-8"?>
-<ds:datastoreItem xmlns:ds="http://schemas.openxmlformats.org/officeDocument/2006/customXml" ds:itemID="{3DE863FD-44AB-4EC9-90A2-763F06E03C11}">
-  <ds:schemaRefs>
-    <ds:schemaRef ds:uri="http://schemas.microsoft.com/sharepoint/v3/contenttype/forms"/>
-  </ds:schemaRefs>
-</ds:datastoreItem>
-</file>
-
-<file path=customXml/itemProps3.xml><?xml version="1.0" encoding="utf-8"?>
-<ds:datastoreItem xmlns:ds="http://schemas.openxmlformats.org/officeDocument/2006/customXml" ds:itemID="{64EC33DD-99A0-48B4-B6C7-1B0A79F9EE96}">
-  <ds:schemaRefs>
-    <ds:schemaRef ds:uri="http://www.w3.org/XML/1998/namespace"/>
-    <ds:schemaRef ds:uri="http://purl.org/dc/dcmitype/"/>
-    <ds:schemaRef ds:uri="http://schemas.openxmlformats.org/package/2006/metadata/core-properties"/>
-    <ds:schemaRef ds:uri="http://schemas.microsoft.com/office/2006/metadata/properties"/>
-    <ds:schemaRef ds:uri="http://schemas.microsoft.com/office/infopath/2007/PartnerControls"/>
-    <ds:schemaRef ds:uri="http://schemas.microsoft.com/office/2006/documentManagement/types"/>
-    <ds:schemaRef ds:uri="http://purl.org/dc/elements/1.1/"/>
-    <ds:schemaRef ds:uri="http://purl.org/dc/terms/"/>
-  </ds:schemaRefs>
-</ds:datastoreItem>
 </file>